--- a/CDA_presentation.pptx
+++ b/CDA_presentation.pptx
@@ -5,7 +5,7 @@
     <p:sldMasterId id="2147483648" r:id="rId1"/>
   </p:sldMasterIdLst>
   <p:notesMasterIdLst>
-    <p:notesMasterId r:id="rId11"/>
+    <p:notesMasterId r:id="rId12"/>
   </p:notesMasterIdLst>
   <p:sldIdLst>
     <p:sldId id="256" r:id="rId2"/>
@@ -17,6 +17,7 @@
     <p:sldId id="262" r:id="rId8"/>
     <p:sldId id="263" r:id="rId9"/>
     <p:sldId id="264" r:id="rId10"/>
+    <p:sldId id="265" r:id="rId11"/>
   </p:sldIdLst>
   <p:sldSz cx="12192000" cy="6858000"/>
   <p:notesSz cx="6858000" cy="9144000"/>
@@ -3834,6 +3835,1237 @@
 </p:sld>
 </file>
 
+<file path=ppt/slides/slide10.xml><?xml version="1.0" encoding="utf-8"?>
+<p:sld xmlns:a="http://schemas.openxmlformats.org/drawingml/2006/main" xmlns:r="http://schemas.openxmlformats.org/officeDocument/2006/relationships" xmlns:p="http://schemas.openxmlformats.org/presentationml/2006/main">
+  <p:cSld>
+    <p:bg>
+      <p:bgPr>
+        <a:solidFill>
+          <a:schemeClr val="bg1"/>
+        </a:solidFill>
+        <a:effectLst/>
+      </p:bgPr>
+    </p:bg>
+    <p:spTree>
+      <p:nvGrpSpPr>
+        <p:cNvPr id="1" name=""/>
+        <p:cNvGrpSpPr/>
+        <p:nvPr/>
+      </p:nvGrpSpPr>
+      <p:grpSpPr>
+        <a:xfrm>
+          <a:off x="0" y="0"/>
+          <a:ext cx="0" cy="0"/>
+          <a:chOff x="0" y="0"/>
+          <a:chExt cx="0" cy="0"/>
+        </a:xfrm>
+      </p:grpSpPr>
+      <p:sp useBgFill="1">
+        <p:nvSpPr>
+          <p:cNvPr id="36" name="Rectangle 35">
+            <a:extLst>
+              <a:ext uri="{FF2B5EF4-FFF2-40B4-BE49-F238E27FC236}">
+                <a16:creationId xmlns:a16="http://schemas.microsoft.com/office/drawing/2014/main" id="{5EF17487-C386-4F99-B5EB-4FD3DF4236B2}"/>
+              </a:ext>
+              <a:ext uri="{C183D7F6-B498-43B3-948B-1728B52AA6E4}">
+                <adec:decorative xmlns:adec="http://schemas.microsoft.com/office/drawing/2017/decorative" val="1"/>
+              </a:ext>
+            </a:extLst>
+          </p:cNvPr>
+          <p:cNvSpPr>
+            <a:spLocks noGrp="1" noRot="1" noChangeAspect="1" noMove="1" noResize="1" noEditPoints="1" noAdjustHandles="1" noChangeArrowheads="1" noChangeShapeType="1" noTextEdit="1"/>
+          </p:cNvSpPr>
+          <p:nvPr>
+            <p:extLst>
+              <p:ext uri="{386F3935-93C4-4BCD-93E2-E3B085C9AB24}">
+                <p16:designElem xmlns:p16="http://schemas.microsoft.com/office/powerpoint/2015/main" val="1"/>
+              </p:ext>
+            </p:extLst>
+          </p:nvPr>
+        </p:nvSpPr>
+        <p:spPr>
+          <a:xfrm>
+            <a:off x="0" y="0"/>
+            <a:ext cx="12188952" cy="6858000"/>
+          </a:xfrm>
+          <a:prstGeom prst="rect">
+            <a:avLst/>
+          </a:prstGeom>
+          <a:ln>
+            <a:noFill/>
+          </a:ln>
+        </p:spPr>
+        <p:style>
+          <a:lnRef idx="2">
+            <a:schemeClr val="accent1">
+              <a:shade val="50000"/>
+            </a:schemeClr>
+          </a:lnRef>
+          <a:fillRef idx="1">
+            <a:schemeClr val="accent1"/>
+          </a:fillRef>
+          <a:effectRef idx="0">
+            <a:schemeClr val="accent1"/>
+          </a:effectRef>
+          <a:fontRef idx="minor">
+            <a:schemeClr val="lt1"/>
+          </a:fontRef>
+        </p:style>
+        <p:txBody>
+          <a:bodyPr rtlCol="0" anchor="ctr"/>
+          <a:lstStyle/>
+          <a:p>
+            <a:pPr algn="ctr"/>
+            <a:endParaRPr lang="en-US"/>
+          </a:p>
+        </p:txBody>
+      </p:sp>
+      <p:sp>
+        <p:nvSpPr>
+          <p:cNvPr id="38" name="Freeform: Shape 37">
+            <a:extLst>
+              <a:ext uri="{FF2B5EF4-FFF2-40B4-BE49-F238E27FC236}">
+                <a16:creationId xmlns:a16="http://schemas.microsoft.com/office/drawing/2014/main" id="{A0DE92DF-4769-4DE9-93FD-EE31271850CA}"/>
+              </a:ext>
+              <a:ext uri="{C183D7F6-B498-43B3-948B-1728B52AA6E4}">
+                <adec:decorative xmlns:adec="http://schemas.microsoft.com/office/drawing/2017/decorative" val="1"/>
+              </a:ext>
+            </a:extLst>
+          </p:cNvPr>
+          <p:cNvSpPr>
+            <a:spLocks noGrp="1" noRot="1" noChangeAspect="1" noMove="1" noResize="1" noEditPoints="1" noAdjustHandles="1" noChangeArrowheads="1" noChangeShapeType="1" noTextEdit="1"/>
+          </p:cNvSpPr>
+          <p:nvPr>
+            <p:extLst>
+              <p:ext uri="{386F3935-93C4-4BCD-93E2-E3B085C9AB24}">
+                <p16:designElem xmlns:p16="http://schemas.microsoft.com/office/powerpoint/2015/main" val="1"/>
+              </p:ext>
+            </p:extLst>
+          </p:nvPr>
+        </p:nvSpPr>
+        <p:spPr>
+          <a:xfrm flipH="1" flipV="1">
+            <a:off x="0" y="0"/>
+            <a:ext cx="7472381" cy="6858000"/>
+          </a:xfrm>
+          <a:custGeom>
+            <a:avLst/>
+            <a:gdLst>
+              <a:gd name="connsiteX0" fmla="*/ 1232666 w 7472381"/>
+              <a:gd name="connsiteY0" fmla="*/ 0 h 6886575"/>
+              <a:gd name="connsiteX1" fmla="*/ 7472381 w 7472381"/>
+              <a:gd name="connsiteY1" fmla="*/ 0 h 6886575"/>
+              <a:gd name="connsiteX2" fmla="*/ 7472381 w 7472381"/>
+              <a:gd name="connsiteY2" fmla="*/ 814388 h 6886575"/>
+              <a:gd name="connsiteX3" fmla="*/ 7472381 w 7472381"/>
+              <a:gd name="connsiteY3" fmla="*/ 6411516 h 6886575"/>
+              <a:gd name="connsiteX4" fmla="*/ 7472381 w 7472381"/>
+              <a:gd name="connsiteY4" fmla="*/ 6886575 h 6886575"/>
+              <a:gd name="connsiteX5" fmla="*/ 6992676 w 7472381"/>
+              <a:gd name="connsiteY5" fmla="*/ 6886575 h 6886575"/>
+              <a:gd name="connsiteX6" fmla="*/ 1946893 w 7472381"/>
+              <a:gd name="connsiteY6" fmla="*/ 6886575 h 6886575"/>
+              <a:gd name="connsiteX7" fmla="*/ 1506276 w 7472381"/>
+              <a:gd name="connsiteY7" fmla="*/ 6686550 h 6886575"/>
+              <a:gd name="connsiteX8" fmla="*/ 1314394 w 7472381"/>
+              <a:gd name="connsiteY8" fmla="*/ 6457949 h 6886575"/>
+              <a:gd name="connsiteX9" fmla="*/ 1246880 w 7472381"/>
+              <a:gd name="connsiteY9" fmla="*/ 6393656 h 6886575"/>
+              <a:gd name="connsiteX10" fmla="*/ 1079872 w 7472381"/>
+              <a:gd name="connsiteY10" fmla="*/ 6307931 h 6886575"/>
+              <a:gd name="connsiteX11" fmla="*/ 788495 w 7472381"/>
+              <a:gd name="connsiteY11" fmla="*/ 6125765 h 6886575"/>
+              <a:gd name="connsiteX12" fmla="*/ 895097 w 7472381"/>
+              <a:gd name="connsiteY12" fmla="*/ 6082903 h 6886575"/>
+              <a:gd name="connsiteX13" fmla="*/ 1204239 w 7472381"/>
+              <a:gd name="connsiteY13" fmla="*/ 6193631 h 6886575"/>
+              <a:gd name="connsiteX14" fmla="*/ 1428102 w 7472381"/>
+              <a:gd name="connsiteY14" fmla="*/ 6222206 h 6886575"/>
+              <a:gd name="connsiteX15" fmla="*/ 1111852 w 7472381"/>
+              <a:gd name="connsiteY15" fmla="*/ 6029325 h 6886575"/>
+              <a:gd name="connsiteX16" fmla="*/ 806262 w 7472381"/>
+              <a:gd name="connsiteY16" fmla="*/ 5779294 h 6886575"/>
+              <a:gd name="connsiteX17" fmla="*/ 1040785 w 7472381"/>
+              <a:gd name="connsiteY17" fmla="*/ 5825728 h 6886575"/>
+              <a:gd name="connsiteX18" fmla="*/ 1051445 w 7472381"/>
+              <a:gd name="connsiteY18" fmla="*/ 5793581 h 6886575"/>
+              <a:gd name="connsiteX19" fmla="*/ 845349 w 7472381"/>
+              <a:gd name="connsiteY19" fmla="*/ 5497115 h 6886575"/>
+              <a:gd name="connsiteX20" fmla="*/ 745855 w 7472381"/>
+              <a:gd name="connsiteY20" fmla="*/ 5375672 h 6886575"/>
+              <a:gd name="connsiteX21" fmla="*/ 291024 w 7472381"/>
+              <a:gd name="connsiteY21" fmla="*/ 5014913 h 6886575"/>
+              <a:gd name="connsiteX22" fmla="*/ 724535 w 7472381"/>
+              <a:gd name="connsiteY22" fmla="*/ 5175647 h 6886575"/>
+              <a:gd name="connsiteX23" fmla="*/ 276811 w 7472381"/>
+              <a:gd name="connsiteY23" fmla="*/ 4825603 h 6886575"/>
+              <a:gd name="connsiteX24" fmla="*/ 60055 w 7472381"/>
+              <a:gd name="connsiteY24" fmla="*/ 4697016 h 6886575"/>
+              <a:gd name="connsiteX25" fmla="*/ 6755 w 7472381"/>
+              <a:gd name="connsiteY25" fmla="*/ 4622006 h 6886575"/>
+              <a:gd name="connsiteX26" fmla="*/ 102696 w 7472381"/>
+              <a:gd name="connsiteY26" fmla="*/ 4604146 h 6886575"/>
+              <a:gd name="connsiteX27" fmla="*/ 397625 w 7472381"/>
+              <a:gd name="connsiteY27" fmla="*/ 4632722 h 6886575"/>
+              <a:gd name="connsiteX28" fmla="*/ 31628 w 7472381"/>
+              <a:gd name="connsiteY28" fmla="*/ 4396978 h 6886575"/>
+              <a:gd name="connsiteX29" fmla="*/ 305237 w 7472381"/>
+              <a:gd name="connsiteY29" fmla="*/ 4432697 h 6886575"/>
+              <a:gd name="connsiteX30" fmla="*/ 383412 w 7472381"/>
+              <a:gd name="connsiteY30" fmla="*/ 4339828 h 6886575"/>
+              <a:gd name="connsiteX31" fmla="*/ 511333 w 7472381"/>
+              <a:gd name="connsiteY31" fmla="*/ 4189810 h 6886575"/>
+              <a:gd name="connsiteX32" fmla="*/ 600167 w 7472381"/>
+              <a:gd name="connsiteY32" fmla="*/ 4107656 h 6886575"/>
+              <a:gd name="connsiteX33" fmla="*/ 635701 w 7472381"/>
+              <a:gd name="connsiteY33" fmla="*/ 3843337 h 6886575"/>
+              <a:gd name="connsiteX34" fmla="*/ 561080 w 7472381"/>
+              <a:gd name="connsiteY34" fmla="*/ 3554015 h 6886575"/>
+              <a:gd name="connsiteX35" fmla="*/ 354985 w 7472381"/>
+              <a:gd name="connsiteY35" fmla="*/ 3407569 h 6886575"/>
+              <a:gd name="connsiteX36" fmla="*/ 415392 w 7472381"/>
+              <a:gd name="connsiteY36" fmla="*/ 3243263 h 6886575"/>
+              <a:gd name="connsiteX37" fmla="*/ 852456 w 7472381"/>
+              <a:gd name="connsiteY37" fmla="*/ 3343275 h 6886575"/>
+              <a:gd name="connsiteX38" fmla="*/ 202190 w 7472381"/>
+              <a:gd name="connsiteY38" fmla="*/ 2953940 h 6886575"/>
+              <a:gd name="connsiteX39" fmla="*/ 312344 w 7472381"/>
+              <a:gd name="connsiteY39" fmla="*/ 2936081 h 6886575"/>
+              <a:gd name="connsiteX40" fmla="*/ 706768 w 7472381"/>
+              <a:gd name="connsiteY40" fmla="*/ 2714625 h 6886575"/>
+              <a:gd name="connsiteX41" fmla="*/ 728088 w 7472381"/>
+              <a:gd name="connsiteY41" fmla="*/ 2703909 h 6886575"/>
+              <a:gd name="connsiteX42" fmla="*/ 795602 w 7472381"/>
+              <a:gd name="connsiteY42" fmla="*/ 2564606 h 6886575"/>
+              <a:gd name="connsiteX43" fmla="*/ 1008804 w 7472381"/>
+              <a:gd name="connsiteY43" fmla="*/ 2543175 h 6886575"/>
+              <a:gd name="connsiteX44" fmla="*/ 1186473 w 7472381"/>
+              <a:gd name="connsiteY44" fmla="*/ 2575322 h 6886575"/>
+              <a:gd name="connsiteX45" fmla="*/ 1378355 w 7472381"/>
+              <a:gd name="connsiteY45" fmla="*/ 2536031 h 6886575"/>
+              <a:gd name="connsiteX46" fmla="*/ 1548916 w 7472381"/>
+              <a:gd name="connsiteY46" fmla="*/ 2553891 h 6886575"/>
+              <a:gd name="connsiteX47" fmla="*/ 1694604 w 7472381"/>
+              <a:gd name="connsiteY47" fmla="*/ 2528888 h 6886575"/>
+              <a:gd name="connsiteX48" fmla="*/ 1552469 w 7472381"/>
+              <a:gd name="connsiteY48" fmla="*/ 2411015 h 6886575"/>
+              <a:gd name="connsiteX49" fmla="*/ 1353481 w 7472381"/>
+              <a:gd name="connsiteY49" fmla="*/ 2411015 h 6886575"/>
+              <a:gd name="connsiteX50" fmla="*/ 1211346 w 7472381"/>
+              <a:gd name="connsiteY50" fmla="*/ 2336007 h 6886575"/>
+              <a:gd name="connsiteX51" fmla="*/ 1076318 w 7472381"/>
+              <a:gd name="connsiteY51" fmla="*/ 2200275 h 6886575"/>
+              <a:gd name="connsiteX52" fmla="*/ 600167 w 7472381"/>
+              <a:gd name="connsiteY52" fmla="*/ 1982390 h 6886575"/>
+              <a:gd name="connsiteX53" fmla="*/ 514886 w 7472381"/>
+              <a:gd name="connsiteY53" fmla="*/ 1900238 h 6886575"/>
+              <a:gd name="connsiteX54" fmla="*/ 1872273 w 7472381"/>
+              <a:gd name="connsiteY54" fmla="*/ 2218135 h 6886575"/>
+              <a:gd name="connsiteX55" fmla="*/ 1452975 w 7472381"/>
+              <a:gd name="connsiteY55" fmla="*/ 2085975 h 6886575"/>
+              <a:gd name="connsiteX56" fmla="*/ 1737245 w 7472381"/>
+              <a:gd name="connsiteY56" fmla="*/ 2110978 h 6886575"/>
+              <a:gd name="connsiteX57" fmla="*/ 1893593 w 7472381"/>
+              <a:gd name="connsiteY57" fmla="*/ 2021681 h 6886575"/>
+              <a:gd name="connsiteX58" fmla="*/ 1893593 w 7472381"/>
+              <a:gd name="connsiteY58" fmla="*/ 1993106 h 6886575"/>
+              <a:gd name="connsiteX59" fmla="*/ 1776332 w 7472381"/>
+              <a:gd name="connsiteY59" fmla="*/ 1910953 h 6886575"/>
+              <a:gd name="connsiteX60" fmla="*/ 1708818 w 7472381"/>
+              <a:gd name="connsiteY60" fmla="*/ 1857375 h 6886575"/>
+              <a:gd name="connsiteX61" fmla="*/ 1524043 w 7472381"/>
+              <a:gd name="connsiteY61" fmla="*/ 1664493 h 6886575"/>
+              <a:gd name="connsiteX62" fmla="*/ 1655517 w 7472381"/>
+              <a:gd name="connsiteY62" fmla="*/ 1643062 h 6886575"/>
+              <a:gd name="connsiteX63" fmla="*/ 1705264 w 7472381"/>
+              <a:gd name="connsiteY63" fmla="*/ 1603772 h 6886575"/>
+              <a:gd name="connsiteX64" fmla="*/ 1669731 w 7472381"/>
+              <a:gd name="connsiteY64" fmla="*/ 1546622 h 6886575"/>
+              <a:gd name="connsiteX65" fmla="*/ 1261093 w 7472381"/>
+              <a:gd name="connsiteY65" fmla="*/ 1371600 h 6886575"/>
+              <a:gd name="connsiteX66" fmla="*/ 1229113 w 7472381"/>
+              <a:gd name="connsiteY66" fmla="*/ 1235869 h 6886575"/>
+              <a:gd name="connsiteX67" fmla="*/ 1307287 w 7472381"/>
+              <a:gd name="connsiteY67" fmla="*/ 1214437 h 6886575"/>
+              <a:gd name="connsiteX68" fmla="*/ 1396121 w 7472381"/>
+              <a:gd name="connsiteY68" fmla="*/ 1225153 h 6886575"/>
+              <a:gd name="connsiteX69" fmla="*/ 1325054 w 7472381"/>
+              <a:gd name="connsiteY69" fmla="*/ 1117997 h 6886575"/>
+              <a:gd name="connsiteX70" fmla="*/ 1037231 w 7472381"/>
+              <a:gd name="connsiteY70" fmla="*/ 1010841 h 6886575"/>
+              <a:gd name="connsiteX71" fmla="*/ 983931 w 7472381"/>
+              <a:gd name="connsiteY71" fmla="*/ 953690 h 6886575"/>
+              <a:gd name="connsiteX72" fmla="*/ 1054998 w 7472381"/>
+              <a:gd name="connsiteY72" fmla="*/ 925115 h 6886575"/>
+              <a:gd name="connsiteX73" fmla="*/ 1108299 w 7472381"/>
+              <a:gd name="connsiteY73" fmla="*/ 914400 h 6886575"/>
+              <a:gd name="connsiteX74" fmla="*/ 6755 w 7472381"/>
+              <a:gd name="connsiteY74" fmla="*/ 467915 h 6886575"/>
+              <a:gd name="connsiteX75" fmla="*/ 255490 w 7472381"/>
+              <a:gd name="connsiteY75" fmla="*/ 464344 h 6886575"/>
+              <a:gd name="connsiteX76" fmla="*/ 500673 w 7472381"/>
+              <a:gd name="connsiteY76" fmla="*/ 535781 h 6886575"/>
+              <a:gd name="connsiteX77" fmla="*/ 760069 w 7472381"/>
+              <a:gd name="connsiteY77" fmla="*/ 525066 h 6886575"/>
+              <a:gd name="connsiteX78" fmla="*/ 1005251 w 7472381"/>
+              <a:gd name="connsiteY78" fmla="*/ 560785 h 6886575"/>
+              <a:gd name="connsiteX79" fmla="*/ 1218453 w 7472381"/>
+              <a:gd name="connsiteY79" fmla="*/ 560785 h 6886575"/>
+              <a:gd name="connsiteX80" fmla="*/ 1019464 w 7472381"/>
+              <a:gd name="connsiteY80" fmla="*/ 507206 h 6886575"/>
+              <a:gd name="connsiteX81" fmla="*/ 944844 w 7472381"/>
+              <a:gd name="connsiteY81" fmla="*/ 417909 h 6886575"/>
+              <a:gd name="connsiteX82" fmla="*/ 969717 w 7472381"/>
+              <a:gd name="connsiteY82" fmla="*/ 335757 h 6886575"/>
+              <a:gd name="connsiteX83" fmla="*/ 1051445 w 7472381"/>
+              <a:gd name="connsiteY83" fmla="*/ 360759 h 6886575"/>
+              <a:gd name="connsiteX84" fmla="*/ 1147386 w 7472381"/>
+              <a:gd name="connsiteY84" fmla="*/ 453629 h 6886575"/>
+              <a:gd name="connsiteX85" fmla="*/ 1168706 w 7472381"/>
+              <a:gd name="connsiteY85" fmla="*/ 396478 h 6886575"/>
+              <a:gd name="connsiteX86" fmla="*/ 1225560 w 7472381"/>
+              <a:gd name="connsiteY86" fmla="*/ 353615 h 6886575"/>
+              <a:gd name="connsiteX87" fmla="*/ 1552469 w 7472381"/>
+              <a:gd name="connsiteY87" fmla="*/ 375047 h 6886575"/>
+              <a:gd name="connsiteX88" fmla="*/ 1335714 w 7472381"/>
+              <a:gd name="connsiteY88" fmla="*/ 192881 h 6886575"/>
+              <a:gd name="connsiteX89" fmla="*/ 1197133 w 7472381"/>
+              <a:gd name="connsiteY89" fmla="*/ 164306 h 6886575"/>
+              <a:gd name="connsiteX90" fmla="*/ 1165153 w 7472381"/>
+              <a:gd name="connsiteY90" fmla="*/ 89297 h 6886575"/>
+              <a:gd name="connsiteX91" fmla="*/ 1229113 w 7472381"/>
+              <a:gd name="connsiteY91" fmla="*/ 71437 h 6886575"/>
+              <a:gd name="connsiteX92" fmla="*/ 1548916 w 7472381"/>
+              <a:gd name="connsiteY92" fmla="*/ 135731 h 6886575"/>
+              <a:gd name="connsiteX93" fmla="*/ 1602217 w 7472381"/>
+              <a:gd name="connsiteY93" fmla="*/ 110728 h 6886575"/>
+              <a:gd name="connsiteX94" fmla="*/ 1232666 w 7472381"/>
+              <a:gd name="connsiteY94" fmla="*/ 0 h 6886575"/>
+            </a:gdLst>
+            <a:ahLst/>
+            <a:cxnLst>
+              <a:cxn ang="0">
+                <a:pos x="connsiteX0" y="connsiteY0"/>
+              </a:cxn>
+              <a:cxn ang="0">
+                <a:pos x="connsiteX1" y="connsiteY1"/>
+              </a:cxn>
+              <a:cxn ang="0">
+                <a:pos x="connsiteX2" y="connsiteY2"/>
+              </a:cxn>
+              <a:cxn ang="0">
+                <a:pos x="connsiteX3" y="connsiteY3"/>
+              </a:cxn>
+              <a:cxn ang="0">
+                <a:pos x="connsiteX4" y="connsiteY4"/>
+              </a:cxn>
+              <a:cxn ang="0">
+                <a:pos x="connsiteX5" y="connsiteY5"/>
+              </a:cxn>
+              <a:cxn ang="0">
+                <a:pos x="connsiteX6" y="connsiteY6"/>
+              </a:cxn>
+              <a:cxn ang="0">
+                <a:pos x="connsiteX7" y="connsiteY7"/>
+              </a:cxn>
+              <a:cxn ang="0">
+                <a:pos x="connsiteX8" y="connsiteY8"/>
+              </a:cxn>
+              <a:cxn ang="0">
+                <a:pos x="connsiteX9" y="connsiteY9"/>
+              </a:cxn>
+              <a:cxn ang="0">
+                <a:pos x="connsiteX10" y="connsiteY10"/>
+              </a:cxn>
+              <a:cxn ang="0">
+                <a:pos x="connsiteX11" y="connsiteY11"/>
+              </a:cxn>
+              <a:cxn ang="0">
+                <a:pos x="connsiteX12" y="connsiteY12"/>
+              </a:cxn>
+              <a:cxn ang="0">
+                <a:pos x="connsiteX13" y="connsiteY13"/>
+              </a:cxn>
+              <a:cxn ang="0">
+                <a:pos x="connsiteX14" y="connsiteY14"/>
+              </a:cxn>
+              <a:cxn ang="0">
+                <a:pos x="connsiteX15" y="connsiteY15"/>
+              </a:cxn>
+              <a:cxn ang="0">
+                <a:pos x="connsiteX16" y="connsiteY16"/>
+              </a:cxn>
+              <a:cxn ang="0">
+                <a:pos x="connsiteX17" y="connsiteY17"/>
+              </a:cxn>
+              <a:cxn ang="0">
+                <a:pos x="connsiteX18" y="connsiteY18"/>
+              </a:cxn>
+              <a:cxn ang="0">
+                <a:pos x="connsiteX19" y="connsiteY19"/>
+              </a:cxn>
+              <a:cxn ang="0">
+                <a:pos x="connsiteX20" y="connsiteY20"/>
+              </a:cxn>
+              <a:cxn ang="0">
+                <a:pos x="connsiteX21" y="connsiteY21"/>
+              </a:cxn>
+              <a:cxn ang="0">
+                <a:pos x="connsiteX22" y="connsiteY22"/>
+              </a:cxn>
+              <a:cxn ang="0">
+                <a:pos x="connsiteX23" y="connsiteY23"/>
+              </a:cxn>
+              <a:cxn ang="0">
+                <a:pos x="connsiteX24" y="connsiteY24"/>
+              </a:cxn>
+              <a:cxn ang="0">
+                <a:pos x="connsiteX25" y="connsiteY25"/>
+              </a:cxn>
+              <a:cxn ang="0">
+                <a:pos x="connsiteX26" y="connsiteY26"/>
+              </a:cxn>
+              <a:cxn ang="0">
+                <a:pos x="connsiteX27" y="connsiteY27"/>
+              </a:cxn>
+              <a:cxn ang="0">
+                <a:pos x="connsiteX28" y="connsiteY28"/>
+              </a:cxn>
+              <a:cxn ang="0">
+                <a:pos x="connsiteX29" y="connsiteY29"/>
+              </a:cxn>
+              <a:cxn ang="0">
+                <a:pos x="connsiteX30" y="connsiteY30"/>
+              </a:cxn>
+              <a:cxn ang="0">
+                <a:pos x="connsiteX31" y="connsiteY31"/>
+              </a:cxn>
+              <a:cxn ang="0">
+                <a:pos x="connsiteX32" y="connsiteY32"/>
+              </a:cxn>
+              <a:cxn ang="0">
+                <a:pos x="connsiteX33" y="connsiteY33"/>
+              </a:cxn>
+              <a:cxn ang="0">
+                <a:pos x="connsiteX34" y="connsiteY34"/>
+              </a:cxn>
+              <a:cxn ang="0">
+                <a:pos x="connsiteX35" y="connsiteY35"/>
+              </a:cxn>
+              <a:cxn ang="0">
+                <a:pos x="connsiteX36" y="connsiteY36"/>
+              </a:cxn>
+              <a:cxn ang="0">
+                <a:pos x="connsiteX37" y="connsiteY37"/>
+              </a:cxn>
+              <a:cxn ang="0">
+                <a:pos x="connsiteX38" y="connsiteY38"/>
+              </a:cxn>
+              <a:cxn ang="0">
+                <a:pos x="connsiteX39" y="connsiteY39"/>
+              </a:cxn>
+              <a:cxn ang="0">
+                <a:pos x="connsiteX40" y="connsiteY40"/>
+              </a:cxn>
+              <a:cxn ang="0">
+                <a:pos x="connsiteX41" y="connsiteY41"/>
+              </a:cxn>
+              <a:cxn ang="0">
+                <a:pos x="connsiteX42" y="connsiteY42"/>
+              </a:cxn>
+              <a:cxn ang="0">
+                <a:pos x="connsiteX43" y="connsiteY43"/>
+              </a:cxn>
+              <a:cxn ang="0">
+                <a:pos x="connsiteX44" y="connsiteY44"/>
+              </a:cxn>
+              <a:cxn ang="0">
+                <a:pos x="connsiteX45" y="connsiteY45"/>
+              </a:cxn>
+              <a:cxn ang="0">
+                <a:pos x="connsiteX46" y="connsiteY46"/>
+              </a:cxn>
+              <a:cxn ang="0">
+                <a:pos x="connsiteX47" y="connsiteY47"/>
+              </a:cxn>
+              <a:cxn ang="0">
+                <a:pos x="connsiteX48" y="connsiteY48"/>
+              </a:cxn>
+              <a:cxn ang="0">
+                <a:pos x="connsiteX49" y="connsiteY49"/>
+              </a:cxn>
+              <a:cxn ang="0">
+                <a:pos x="connsiteX50" y="connsiteY50"/>
+              </a:cxn>
+              <a:cxn ang="0">
+                <a:pos x="connsiteX51" y="connsiteY51"/>
+              </a:cxn>
+              <a:cxn ang="0">
+                <a:pos x="connsiteX52" y="connsiteY52"/>
+              </a:cxn>
+              <a:cxn ang="0">
+                <a:pos x="connsiteX53" y="connsiteY53"/>
+              </a:cxn>
+              <a:cxn ang="0">
+                <a:pos x="connsiteX54" y="connsiteY54"/>
+              </a:cxn>
+              <a:cxn ang="0">
+                <a:pos x="connsiteX55" y="connsiteY55"/>
+              </a:cxn>
+              <a:cxn ang="0">
+                <a:pos x="connsiteX56" y="connsiteY56"/>
+              </a:cxn>
+              <a:cxn ang="0">
+                <a:pos x="connsiteX57" y="connsiteY57"/>
+              </a:cxn>
+              <a:cxn ang="0">
+                <a:pos x="connsiteX58" y="connsiteY58"/>
+              </a:cxn>
+              <a:cxn ang="0">
+                <a:pos x="connsiteX59" y="connsiteY59"/>
+              </a:cxn>
+              <a:cxn ang="0">
+                <a:pos x="connsiteX60" y="connsiteY60"/>
+              </a:cxn>
+              <a:cxn ang="0">
+                <a:pos x="connsiteX61" y="connsiteY61"/>
+              </a:cxn>
+              <a:cxn ang="0">
+                <a:pos x="connsiteX62" y="connsiteY62"/>
+              </a:cxn>
+              <a:cxn ang="0">
+                <a:pos x="connsiteX63" y="connsiteY63"/>
+              </a:cxn>
+              <a:cxn ang="0">
+                <a:pos x="connsiteX64" y="connsiteY64"/>
+              </a:cxn>
+              <a:cxn ang="0">
+                <a:pos x="connsiteX65" y="connsiteY65"/>
+              </a:cxn>
+              <a:cxn ang="0">
+                <a:pos x="connsiteX66" y="connsiteY66"/>
+              </a:cxn>
+              <a:cxn ang="0">
+                <a:pos x="connsiteX67" y="connsiteY67"/>
+              </a:cxn>
+              <a:cxn ang="0">
+                <a:pos x="connsiteX68" y="connsiteY68"/>
+              </a:cxn>
+              <a:cxn ang="0">
+                <a:pos x="connsiteX69" y="connsiteY69"/>
+              </a:cxn>
+              <a:cxn ang="0">
+                <a:pos x="connsiteX70" y="connsiteY70"/>
+              </a:cxn>
+              <a:cxn ang="0">
+                <a:pos x="connsiteX71" y="connsiteY71"/>
+              </a:cxn>
+              <a:cxn ang="0">
+                <a:pos x="connsiteX72" y="connsiteY72"/>
+              </a:cxn>
+              <a:cxn ang="0">
+                <a:pos x="connsiteX73" y="connsiteY73"/>
+              </a:cxn>
+              <a:cxn ang="0">
+                <a:pos x="connsiteX74" y="connsiteY74"/>
+              </a:cxn>
+              <a:cxn ang="0">
+                <a:pos x="connsiteX75" y="connsiteY75"/>
+              </a:cxn>
+              <a:cxn ang="0">
+                <a:pos x="connsiteX76" y="connsiteY76"/>
+              </a:cxn>
+              <a:cxn ang="0">
+                <a:pos x="connsiteX77" y="connsiteY77"/>
+              </a:cxn>
+              <a:cxn ang="0">
+                <a:pos x="connsiteX78" y="connsiteY78"/>
+              </a:cxn>
+              <a:cxn ang="0">
+                <a:pos x="connsiteX79" y="connsiteY79"/>
+              </a:cxn>
+              <a:cxn ang="0">
+                <a:pos x="connsiteX80" y="connsiteY80"/>
+              </a:cxn>
+              <a:cxn ang="0">
+                <a:pos x="connsiteX81" y="connsiteY81"/>
+              </a:cxn>
+              <a:cxn ang="0">
+                <a:pos x="connsiteX82" y="connsiteY82"/>
+              </a:cxn>
+              <a:cxn ang="0">
+                <a:pos x="connsiteX83" y="connsiteY83"/>
+              </a:cxn>
+              <a:cxn ang="0">
+                <a:pos x="connsiteX84" y="connsiteY84"/>
+              </a:cxn>
+              <a:cxn ang="0">
+                <a:pos x="connsiteX85" y="connsiteY85"/>
+              </a:cxn>
+              <a:cxn ang="0">
+                <a:pos x="connsiteX86" y="connsiteY86"/>
+              </a:cxn>
+              <a:cxn ang="0">
+                <a:pos x="connsiteX87" y="connsiteY87"/>
+              </a:cxn>
+              <a:cxn ang="0">
+                <a:pos x="connsiteX88" y="connsiteY88"/>
+              </a:cxn>
+              <a:cxn ang="0">
+                <a:pos x="connsiteX89" y="connsiteY89"/>
+              </a:cxn>
+              <a:cxn ang="0">
+                <a:pos x="connsiteX90" y="connsiteY90"/>
+              </a:cxn>
+              <a:cxn ang="0">
+                <a:pos x="connsiteX91" y="connsiteY91"/>
+              </a:cxn>
+              <a:cxn ang="0">
+                <a:pos x="connsiteX92" y="connsiteY92"/>
+              </a:cxn>
+              <a:cxn ang="0">
+                <a:pos x="connsiteX93" y="connsiteY93"/>
+              </a:cxn>
+              <a:cxn ang="0">
+                <a:pos x="connsiteX94" y="connsiteY94"/>
+              </a:cxn>
+            </a:cxnLst>
+            <a:rect l="l" t="t" r="r" b="b"/>
+            <a:pathLst>
+              <a:path w="7472381" h="6886575">
+                <a:moveTo>
+                  <a:pt x="1232666" y="0"/>
+                </a:moveTo>
+                <a:lnTo>
+                  <a:pt x="7472381" y="0"/>
+                </a:lnTo>
+                <a:lnTo>
+                  <a:pt x="7472381" y="814388"/>
+                </a:lnTo>
+                <a:lnTo>
+                  <a:pt x="7472381" y="6411516"/>
+                </a:lnTo>
+                <a:lnTo>
+                  <a:pt x="7472381" y="6886575"/>
+                </a:lnTo>
+                <a:lnTo>
+                  <a:pt x="6992676" y="6886575"/>
+                </a:lnTo>
+                <a:lnTo>
+                  <a:pt x="1946893" y="6886575"/>
+                </a:lnTo>
+                <a:cubicBezTo>
+                  <a:pt x="1801205" y="6815137"/>
+                  <a:pt x="1662624" y="6729412"/>
+                  <a:pt x="1506276" y="6686550"/>
+                </a:cubicBezTo>
+                <a:cubicBezTo>
+                  <a:pt x="1399675" y="6657975"/>
+                  <a:pt x="1296627" y="6607969"/>
+                  <a:pt x="1314394" y="6457949"/>
+                </a:cubicBezTo>
+                <a:cubicBezTo>
+                  <a:pt x="1317947" y="6415087"/>
+                  <a:pt x="1289520" y="6382941"/>
+                  <a:pt x="1246880" y="6393656"/>
+                </a:cubicBezTo>
+                <a:cubicBezTo>
+                  <a:pt x="1165153" y="6415087"/>
+                  <a:pt x="1126065" y="6354365"/>
+                  <a:pt x="1079872" y="6307931"/>
+                </a:cubicBezTo>
+                <a:cubicBezTo>
+                  <a:pt x="998144" y="6225779"/>
+                  <a:pt x="919970" y="6140052"/>
+                  <a:pt x="788495" y="6125765"/>
+                </a:cubicBezTo>
+                <a:cubicBezTo>
+                  <a:pt x="813369" y="6061471"/>
+                  <a:pt x="856009" y="6068615"/>
+                  <a:pt x="895097" y="6082903"/>
+                </a:cubicBezTo>
+                <a:cubicBezTo>
+                  <a:pt x="998144" y="6118622"/>
+                  <a:pt x="1101192" y="6157912"/>
+                  <a:pt x="1204239" y="6193631"/>
+                </a:cubicBezTo>
+                <a:cubicBezTo>
+                  <a:pt x="1271754" y="6215062"/>
+                  <a:pt x="1339267" y="6247209"/>
+                  <a:pt x="1428102" y="6222206"/>
+                </a:cubicBezTo>
+                <a:cubicBezTo>
+                  <a:pt x="1349928" y="6093619"/>
+                  <a:pt x="1218453" y="6068615"/>
+                  <a:pt x="1111852" y="6029325"/>
+                </a:cubicBezTo>
+                <a:cubicBezTo>
+                  <a:pt x="980377" y="5979319"/>
+                  <a:pt x="902203" y="5886450"/>
+                  <a:pt x="806262" y="5779294"/>
+                </a:cubicBezTo>
+                <a:cubicBezTo>
+                  <a:pt x="902203" y="5750719"/>
+                  <a:pt x="962610" y="5829300"/>
+                  <a:pt x="1040785" y="5825728"/>
+                </a:cubicBezTo>
+                <a:cubicBezTo>
+                  <a:pt x="1044338" y="5815012"/>
+                  <a:pt x="1051445" y="5793581"/>
+                  <a:pt x="1051445" y="5793581"/>
+                </a:cubicBezTo>
+                <a:cubicBezTo>
+                  <a:pt x="923523" y="5736431"/>
+                  <a:pt x="866670" y="5629275"/>
+                  <a:pt x="845349" y="5497115"/>
+                </a:cubicBezTo>
+                <a:cubicBezTo>
+                  <a:pt x="838243" y="5429250"/>
+                  <a:pt x="792049" y="5407819"/>
+                  <a:pt x="745855" y="5375672"/>
+                </a:cubicBezTo>
+                <a:cubicBezTo>
+                  <a:pt x="589507" y="5264943"/>
+                  <a:pt x="422499" y="5164931"/>
+                  <a:pt x="291024" y="5014913"/>
+                </a:cubicBezTo>
+                <a:cubicBezTo>
+                  <a:pt x="443819" y="5032771"/>
+                  <a:pt x="564633" y="5132784"/>
+                  <a:pt x="724535" y="5175647"/>
+                </a:cubicBezTo>
+                <a:cubicBezTo>
+                  <a:pt x="596614" y="5011340"/>
+                  <a:pt x="429605" y="4925615"/>
+                  <a:pt x="276811" y="4825603"/>
+                </a:cubicBezTo>
+                <a:cubicBezTo>
+                  <a:pt x="205743" y="4779169"/>
+                  <a:pt x="141783" y="4722018"/>
+                  <a:pt x="60055" y="4697016"/>
+                </a:cubicBezTo>
+                <a:cubicBezTo>
+                  <a:pt x="31628" y="4689872"/>
+                  <a:pt x="-18119" y="4672013"/>
+                  <a:pt x="6755" y="4622006"/>
+                </a:cubicBezTo>
+                <a:cubicBezTo>
+                  <a:pt x="28075" y="4579144"/>
+                  <a:pt x="67162" y="4593432"/>
+                  <a:pt x="102696" y="4604146"/>
+                </a:cubicBezTo>
+                <a:cubicBezTo>
+                  <a:pt x="187976" y="4632722"/>
+                  <a:pt x="280364" y="4632722"/>
+                  <a:pt x="397625" y="4632722"/>
+                </a:cubicBezTo>
+                <a:cubicBezTo>
+                  <a:pt x="298131" y="4496990"/>
+                  <a:pt x="116909" y="4539853"/>
+                  <a:pt x="31628" y="4396978"/>
+                </a:cubicBezTo>
+                <a:cubicBezTo>
+                  <a:pt x="138229" y="4371976"/>
+                  <a:pt x="219957" y="4421982"/>
+                  <a:pt x="305237" y="4432697"/>
+                </a:cubicBezTo>
+                <a:cubicBezTo>
+                  <a:pt x="383412" y="4443413"/>
+                  <a:pt x="401178" y="4418409"/>
+                  <a:pt x="383412" y="4339828"/>
+                </a:cubicBezTo>
+                <a:cubicBezTo>
+                  <a:pt x="354985" y="4218385"/>
+                  <a:pt x="397625" y="4157662"/>
+                  <a:pt x="511333" y="4189810"/>
+                </a:cubicBezTo>
+                <a:cubicBezTo>
+                  <a:pt x="617934" y="4221956"/>
+                  <a:pt x="628594" y="4175522"/>
+                  <a:pt x="600167" y="4107656"/>
+                </a:cubicBezTo>
+                <a:cubicBezTo>
+                  <a:pt x="557527" y="4007644"/>
+                  <a:pt x="603720" y="3929063"/>
+                  <a:pt x="635701" y="3843337"/>
+                </a:cubicBezTo>
+                <a:cubicBezTo>
+                  <a:pt x="685448" y="3714750"/>
+                  <a:pt x="664128" y="3650456"/>
+                  <a:pt x="561080" y="3554015"/>
+                </a:cubicBezTo>
+                <a:cubicBezTo>
+                  <a:pt x="500673" y="3500438"/>
+                  <a:pt x="440265" y="3454003"/>
+                  <a:pt x="354985" y="3407569"/>
+                </a:cubicBezTo>
+                <a:cubicBezTo>
+                  <a:pt x="550420" y="3382565"/>
+                  <a:pt x="347878" y="3296841"/>
+                  <a:pt x="415392" y="3243263"/>
+                </a:cubicBezTo>
+                <a:cubicBezTo>
+                  <a:pt x="553973" y="3221831"/>
+                  <a:pt x="664128" y="3393282"/>
+                  <a:pt x="852456" y="3343275"/>
+                </a:cubicBezTo>
+                <a:cubicBezTo>
+                  <a:pt x="625041" y="3196828"/>
+                  <a:pt x="369198" y="3150393"/>
+                  <a:pt x="202190" y="2953940"/>
+                </a:cubicBezTo>
+                <a:cubicBezTo>
+                  <a:pt x="241277" y="2911078"/>
+                  <a:pt x="280364" y="2953940"/>
+                  <a:pt x="312344" y="2936081"/>
+                </a:cubicBezTo>
+                <a:cubicBezTo>
+                  <a:pt x="312344" y="2925365"/>
+                  <a:pt x="685448" y="2993232"/>
+                  <a:pt x="706768" y="2714625"/>
+                </a:cubicBezTo>
+                <a:cubicBezTo>
+                  <a:pt x="713875" y="2714625"/>
+                  <a:pt x="720982" y="2714625"/>
+                  <a:pt x="728088" y="2703909"/>
+                </a:cubicBezTo>
+                <a:cubicBezTo>
+                  <a:pt x="767175" y="2664619"/>
+                  <a:pt x="731642" y="2571750"/>
+                  <a:pt x="795602" y="2564606"/>
+                </a:cubicBezTo>
+                <a:cubicBezTo>
+                  <a:pt x="866670" y="2557462"/>
+                  <a:pt x="934184" y="2525315"/>
+                  <a:pt x="1008804" y="2543175"/>
+                </a:cubicBezTo>
+                <a:cubicBezTo>
+                  <a:pt x="1065658" y="2557462"/>
+                  <a:pt x="1126065" y="2575322"/>
+                  <a:pt x="1186473" y="2575322"/>
+                </a:cubicBezTo>
+                <a:cubicBezTo>
+                  <a:pt x="1250433" y="2575322"/>
+                  <a:pt x="1339267" y="2696766"/>
+                  <a:pt x="1378355" y="2536031"/>
+                </a:cubicBezTo>
+                <a:cubicBezTo>
+                  <a:pt x="1378355" y="2528888"/>
+                  <a:pt x="1488509" y="2546747"/>
+                  <a:pt x="1548916" y="2553891"/>
+                </a:cubicBezTo>
+                <a:cubicBezTo>
+                  <a:pt x="1598663" y="2561035"/>
+                  <a:pt x="1659071" y="2593181"/>
+                  <a:pt x="1694604" y="2528888"/>
+                </a:cubicBezTo>
+                <a:cubicBezTo>
+                  <a:pt x="1712371" y="2489596"/>
+                  <a:pt x="1627090" y="2418159"/>
+                  <a:pt x="1552469" y="2411015"/>
+                </a:cubicBezTo>
+                <a:cubicBezTo>
+                  <a:pt x="1484956" y="2403872"/>
+                  <a:pt x="1417442" y="2396728"/>
+                  <a:pt x="1353481" y="2411015"/>
+                </a:cubicBezTo>
+                <a:cubicBezTo>
+                  <a:pt x="1275307" y="2428875"/>
+                  <a:pt x="1232666" y="2400300"/>
+                  <a:pt x="1211346" y="2336007"/>
+                </a:cubicBezTo>
+                <a:cubicBezTo>
+                  <a:pt x="1186473" y="2268141"/>
+                  <a:pt x="1140279" y="2232422"/>
+                  <a:pt x="1076318" y="2200275"/>
+                </a:cubicBezTo>
+                <a:cubicBezTo>
+                  <a:pt x="919970" y="2121694"/>
+                  <a:pt x="770729" y="2028825"/>
+                  <a:pt x="600167" y="1982390"/>
+                </a:cubicBezTo>
+                <a:cubicBezTo>
+                  <a:pt x="568187" y="1975246"/>
+                  <a:pt x="529100" y="1960959"/>
+                  <a:pt x="514886" y="1900238"/>
+                </a:cubicBezTo>
+                <a:cubicBezTo>
+                  <a:pt x="976824" y="1993106"/>
+                  <a:pt x="1396121" y="2232422"/>
+                  <a:pt x="1872273" y="2218135"/>
+                </a:cubicBezTo>
+                <a:cubicBezTo>
+                  <a:pt x="1744351" y="2143125"/>
+                  <a:pt x="1591557" y="2139554"/>
+                  <a:pt x="1452975" y="2085975"/>
+                </a:cubicBezTo>
+                <a:cubicBezTo>
+                  <a:pt x="1552469" y="2046685"/>
+                  <a:pt x="1644857" y="2089547"/>
+                  <a:pt x="1737245" y="2110978"/>
+                </a:cubicBezTo>
+                <a:cubicBezTo>
+                  <a:pt x="1815419" y="2128837"/>
+                  <a:pt x="1886486" y="2132410"/>
+                  <a:pt x="1893593" y="2021681"/>
+                </a:cubicBezTo>
+                <a:cubicBezTo>
+                  <a:pt x="1893593" y="2010965"/>
+                  <a:pt x="1893593" y="2003821"/>
+                  <a:pt x="1893593" y="1993106"/>
+                </a:cubicBezTo>
+                <a:cubicBezTo>
+                  <a:pt x="1865166" y="1946672"/>
+                  <a:pt x="1826079" y="1925240"/>
+                  <a:pt x="1776332" y="1910953"/>
+                </a:cubicBezTo>
+                <a:cubicBezTo>
+                  <a:pt x="1747905" y="1903809"/>
+                  <a:pt x="1708818" y="1889522"/>
+                  <a:pt x="1708818" y="1857375"/>
+                </a:cubicBezTo>
+                <a:cubicBezTo>
+                  <a:pt x="1712371" y="1735931"/>
+                  <a:pt x="1616430" y="1700212"/>
+                  <a:pt x="1524043" y="1664493"/>
+                </a:cubicBezTo>
+                <a:cubicBezTo>
+                  <a:pt x="1573790" y="1603772"/>
+                  <a:pt x="1616430" y="1646635"/>
+                  <a:pt x="1655517" y="1643062"/>
+                </a:cubicBezTo>
+                <a:cubicBezTo>
+                  <a:pt x="1680391" y="1639491"/>
+                  <a:pt x="1705264" y="1635919"/>
+                  <a:pt x="1705264" y="1603772"/>
+                </a:cubicBezTo>
+                <a:cubicBezTo>
+                  <a:pt x="1705264" y="1578769"/>
+                  <a:pt x="1694604" y="1546622"/>
+                  <a:pt x="1669731" y="1546622"/>
+                </a:cubicBezTo>
+                <a:cubicBezTo>
+                  <a:pt x="1513383" y="1543050"/>
+                  <a:pt x="1424548" y="1371600"/>
+                  <a:pt x="1261093" y="1371600"/>
+                </a:cubicBezTo>
+                <a:cubicBezTo>
+                  <a:pt x="1161599" y="1371600"/>
+                  <a:pt x="1310841" y="1275159"/>
+                  <a:pt x="1229113" y="1235869"/>
+                </a:cubicBezTo>
+                <a:cubicBezTo>
+                  <a:pt x="1211346" y="1225153"/>
+                  <a:pt x="1278860" y="1210866"/>
+                  <a:pt x="1307287" y="1214437"/>
+                </a:cubicBezTo>
+                <a:cubicBezTo>
+                  <a:pt x="1335714" y="1218009"/>
+                  <a:pt x="1360588" y="1243013"/>
+                  <a:pt x="1396121" y="1225153"/>
+                </a:cubicBezTo>
+                <a:cubicBezTo>
+                  <a:pt x="1413888" y="1160860"/>
+                  <a:pt x="1367694" y="1135856"/>
+                  <a:pt x="1325054" y="1117997"/>
+                </a:cubicBezTo>
+                <a:cubicBezTo>
+                  <a:pt x="1232666" y="1075135"/>
+                  <a:pt x="1140279" y="1025129"/>
+                  <a:pt x="1037231" y="1010841"/>
+                </a:cubicBezTo>
+                <a:cubicBezTo>
+                  <a:pt x="1001698" y="1007269"/>
+                  <a:pt x="980377" y="989409"/>
+                  <a:pt x="983931" y="953690"/>
+                </a:cubicBezTo>
+                <a:cubicBezTo>
+                  <a:pt x="991037" y="907256"/>
+                  <a:pt x="1026571" y="921544"/>
+                  <a:pt x="1054998" y="925115"/>
+                </a:cubicBezTo>
+                <a:cubicBezTo>
+                  <a:pt x="1072765" y="928688"/>
+                  <a:pt x="1090532" y="939403"/>
+                  <a:pt x="1108299" y="914400"/>
+                </a:cubicBezTo>
+                <a:cubicBezTo>
+                  <a:pt x="692555" y="660797"/>
+                  <a:pt x="472246" y="675085"/>
+                  <a:pt x="6755" y="467915"/>
+                </a:cubicBezTo>
+                <a:cubicBezTo>
+                  <a:pt x="109802" y="428625"/>
+                  <a:pt x="184423" y="457200"/>
+                  <a:pt x="255490" y="464344"/>
+                </a:cubicBezTo>
+                <a:cubicBezTo>
+                  <a:pt x="433159" y="482203"/>
+                  <a:pt x="323004" y="514350"/>
+                  <a:pt x="500673" y="535781"/>
+                </a:cubicBezTo>
+                <a:cubicBezTo>
+                  <a:pt x="585954" y="546497"/>
+                  <a:pt x="664128" y="582216"/>
+                  <a:pt x="760069" y="525066"/>
+                </a:cubicBezTo>
+                <a:cubicBezTo>
+                  <a:pt x="824029" y="485775"/>
+                  <a:pt x="927077" y="528637"/>
+                  <a:pt x="1005251" y="560785"/>
+                </a:cubicBezTo>
+                <a:cubicBezTo>
+                  <a:pt x="1069212" y="589360"/>
+                  <a:pt x="1133172" y="596503"/>
+                  <a:pt x="1218453" y="560785"/>
+                </a:cubicBezTo>
+                <a:cubicBezTo>
+                  <a:pt x="1140279" y="539354"/>
+                  <a:pt x="1079872" y="521494"/>
+                  <a:pt x="1019464" y="507206"/>
+                </a:cubicBezTo>
+                <a:cubicBezTo>
+                  <a:pt x="969717" y="496491"/>
+                  <a:pt x="941290" y="471488"/>
+                  <a:pt x="944844" y="417909"/>
+                </a:cubicBezTo>
+                <a:cubicBezTo>
+                  <a:pt x="944844" y="389334"/>
+                  <a:pt x="934184" y="350044"/>
+                  <a:pt x="969717" y="335757"/>
+                </a:cubicBezTo>
+                <a:cubicBezTo>
+                  <a:pt x="998144" y="321469"/>
+                  <a:pt x="1037231" y="335757"/>
+                  <a:pt x="1051445" y="360759"/>
+                </a:cubicBezTo>
+                <a:cubicBezTo>
+                  <a:pt x="1069212" y="407194"/>
+                  <a:pt x="1086978" y="450056"/>
+                  <a:pt x="1147386" y="453629"/>
+                </a:cubicBezTo>
+                <a:cubicBezTo>
+                  <a:pt x="1229113" y="460771"/>
+                  <a:pt x="1182919" y="432197"/>
+                  <a:pt x="1168706" y="396478"/>
+                </a:cubicBezTo>
+                <a:cubicBezTo>
+                  <a:pt x="1154492" y="357188"/>
+                  <a:pt x="1197133" y="346472"/>
+                  <a:pt x="1225560" y="353615"/>
+                </a:cubicBezTo>
+                <a:cubicBezTo>
+                  <a:pt x="1332161" y="385763"/>
+                  <a:pt x="1442315" y="328613"/>
+                  <a:pt x="1552469" y="375047"/>
+                </a:cubicBezTo>
+                <a:cubicBezTo>
+                  <a:pt x="1524043" y="260747"/>
+                  <a:pt x="1463635" y="210741"/>
+                  <a:pt x="1335714" y="192881"/>
+                </a:cubicBezTo>
+                <a:cubicBezTo>
+                  <a:pt x="1289520" y="189310"/>
+                  <a:pt x="1239773" y="196453"/>
+                  <a:pt x="1197133" y="164306"/>
+                </a:cubicBezTo>
+                <a:cubicBezTo>
+                  <a:pt x="1172259" y="146447"/>
+                  <a:pt x="1147386" y="125016"/>
+                  <a:pt x="1165153" y="89297"/>
+                </a:cubicBezTo>
+                <a:cubicBezTo>
+                  <a:pt x="1175813" y="64294"/>
+                  <a:pt x="1204239" y="64294"/>
+                  <a:pt x="1229113" y="71437"/>
+                </a:cubicBezTo>
+                <a:cubicBezTo>
+                  <a:pt x="1332161" y="110728"/>
+                  <a:pt x="1442315" y="121444"/>
+                  <a:pt x="1548916" y="135731"/>
+                </a:cubicBezTo>
+                <a:cubicBezTo>
+                  <a:pt x="1566683" y="139303"/>
+                  <a:pt x="1584450" y="146447"/>
+                  <a:pt x="1602217" y="110728"/>
+                </a:cubicBezTo>
+                <a:cubicBezTo>
+                  <a:pt x="1477849" y="78581"/>
+                  <a:pt x="1357034" y="35719"/>
+                  <a:pt x="1232666" y="0"/>
+                </a:cubicBezTo>
+                <a:close/>
+              </a:path>
+            </a:pathLst>
+          </a:custGeom>
+          <a:solidFill>
+            <a:schemeClr val="bg2">
+              <a:alpha val="50000"/>
+            </a:schemeClr>
+          </a:solidFill>
+          <a:ln w="32707" cap="flat">
+            <a:noFill/>
+            <a:prstDash val="solid"/>
+            <a:miter/>
+          </a:ln>
+        </p:spPr>
+        <p:txBody>
+          <a:bodyPr wrap="square" rtlCol="0" anchor="ctr">
+            <a:noAutofit/>
+          </a:bodyPr>
+          <a:lstStyle/>
+          <a:p>
+            <a:endParaRPr lang="en-US">
+              <a:solidFill>
+                <a:schemeClr val="tx1"/>
+              </a:solidFill>
+            </a:endParaRPr>
+          </a:p>
+        </p:txBody>
+      </p:sp>
+      <p:sp>
+        <p:nvSpPr>
+          <p:cNvPr id="2" name="Title 1">
+            <a:extLst>
+              <a:ext uri="{FF2B5EF4-FFF2-40B4-BE49-F238E27FC236}">
+                <a16:creationId xmlns:a16="http://schemas.microsoft.com/office/drawing/2014/main" id="{2849AA6B-E6C3-75D2-24D5-2EA8ECAA90A8}"/>
+              </a:ext>
+            </a:extLst>
+          </p:cNvPr>
+          <p:cNvSpPr>
+            <a:spLocks noGrp="1"/>
+          </p:cNvSpPr>
+          <p:nvPr>
+            <p:ph type="title"/>
+          </p:nvPr>
+        </p:nvSpPr>
+        <p:spPr>
+          <a:xfrm>
+            <a:off x="1246824" y="643467"/>
+            <a:ext cx="4772975" cy="1800526"/>
+          </a:xfrm>
+        </p:spPr>
+        <p:txBody>
+          <a:bodyPr>
+            <a:normAutofit/>
+          </a:bodyPr>
+          <a:lstStyle/>
+          <a:p>
+            <a:r>
+              <a:rPr lang="en-US"/>
+              <a:t>Physical activity?</a:t>
+            </a:r>
+          </a:p>
+        </p:txBody>
+      </p:sp>
+      <p:sp>
+        <p:nvSpPr>
+          <p:cNvPr id="8" name="Content Placeholder 7">
+            <a:extLst>
+              <a:ext uri="{FF2B5EF4-FFF2-40B4-BE49-F238E27FC236}">
+                <a16:creationId xmlns:a16="http://schemas.microsoft.com/office/drawing/2014/main" id="{59C8031B-39CF-30CC-D2B9-30BDC892F47B}"/>
+              </a:ext>
+            </a:extLst>
+          </p:cNvPr>
+          <p:cNvSpPr>
+            <a:spLocks noGrp="1"/>
+          </p:cNvSpPr>
+          <p:nvPr>
+            <p:ph idx="1"/>
+          </p:nvPr>
+        </p:nvSpPr>
+        <p:spPr>
+          <a:xfrm>
+            <a:off x="1246824" y="2623381"/>
+            <a:ext cx="4772974" cy="3553581"/>
+          </a:xfrm>
+        </p:spPr>
+        <p:txBody>
+          <a:bodyPr>
+            <a:normAutofit/>
+          </a:bodyPr>
+          <a:lstStyle/>
+          <a:p>
+            <a:r>
+              <a:rPr lang="en-US" sz="2000"/>
+              <a:t>We did not obtain physical activity in relationship with the BP.  One reason might be we have a very low number of people who are doing physical activity in the data.</a:t>
+            </a:r>
+          </a:p>
+        </p:txBody>
+      </p:sp>
+      <p:pic>
+        <p:nvPicPr>
+          <p:cNvPr id="5" name="Picture 4">
+            <a:extLst>
+              <a:ext uri="{FF2B5EF4-FFF2-40B4-BE49-F238E27FC236}">
+                <a16:creationId xmlns:a16="http://schemas.microsoft.com/office/drawing/2014/main" id="{1EEAAFED-273F-DDBE-AC97-64AFCA36B128}"/>
+              </a:ext>
+            </a:extLst>
+          </p:cNvPr>
+          <p:cNvPicPr>
+            <a:picLocks noChangeAspect="1"/>
+          </p:cNvPicPr>
+          <p:nvPr/>
+        </p:nvPicPr>
+        <p:blipFill>
+          <a:blip r:embed="rId2"/>
+          <a:stretch>
+            <a:fillRect/>
+          </a:stretch>
+        </p:blipFill>
+        <p:spPr>
+          <a:xfrm>
+            <a:off x="7700211" y="1396447"/>
+            <a:ext cx="4144126" cy="1455376"/>
+          </a:xfrm>
+          <a:prstGeom prst="rect">
+            <a:avLst/>
+          </a:prstGeom>
+        </p:spPr>
+      </p:pic>
+      <p:pic>
+        <p:nvPicPr>
+          <p:cNvPr id="4" name="Content Placeholder 3">
+            <a:extLst>
+              <a:ext uri="{FF2B5EF4-FFF2-40B4-BE49-F238E27FC236}">
+                <a16:creationId xmlns:a16="http://schemas.microsoft.com/office/drawing/2014/main" id="{00856098-64F4-A1AD-CA17-9457E3AE0232}"/>
+              </a:ext>
+            </a:extLst>
+          </p:cNvPr>
+          <p:cNvPicPr>
+            <a:picLocks noChangeAspect="1"/>
+          </p:cNvPicPr>
+          <p:nvPr/>
+        </p:nvPicPr>
+        <p:blipFill>
+          <a:blip r:embed="rId3"/>
+          <a:stretch>
+            <a:fillRect/>
+          </a:stretch>
+        </p:blipFill>
+        <p:spPr>
+          <a:xfrm>
+            <a:off x="7700210" y="4043363"/>
+            <a:ext cx="4144127" cy="1455377"/>
+          </a:xfrm>
+          <a:prstGeom prst="rect">
+            <a:avLst/>
+          </a:prstGeom>
+        </p:spPr>
+      </p:pic>
+    </p:spTree>
+    <p:extLst>
+      <p:ext uri="{BB962C8B-B14F-4D97-AF65-F5344CB8AC3E}">
+        <p14:creationId xmlns:p14="http://schemas.microsoft.com/office/powerpoint/2010/main" val="168288430"/>
+      </p:ext>
+    </p:extLst>
+  </p:cSld>
+  <p:clrMapOvr>
+    <a:masterClrMapping/>
+  </p:clrMapOvr>
+</p:sld>
+</file>
+
 <file path=ppt/slides/slide2.xml><?xml version="1.0" encoding="utf-8"?>
 <p:sld xmlns:a="http://schemas.openxmlformats.org/drawingml/2006/main" xmlns:r="http://schemas.openxmlformats.org/officeDocument/2006/relationships" xmlns:p="http://schemas.openxmlformats.org/presentationml/2006/main">
   <p:cSld>
@@ -6340,7 +7572,7 @@
           <a:p>
             <a:r>
               <a:rPr lang="en-US" sz="2000" dirty="0"/>
-              <a:t>The association measure between blood pressure and meal preparation came to be significant. The odds ratio CI is (1.202927,1.458402) and the gamma coefficient is (.09,.18) with a small p-value. self-meal preparation if not, in that case, the blood pressure is higher.</a:t>
+              <a:t>The association between blood pressure and meal preparation was significant. The odds ratio CI is (1.202927,1.458402) and the gamma coefficient is (.09,.18) with a small p-value. self-meal preparation if not, in that case, the blood pressure is higher.</a:t>
             </a:r>
           </a:p>
           <a:p>
@@ -6352,23 +7584,21 @@
           <a:p>
             <a:r>
               <a:rPr lang="en-US" sz="2000" dirty="0"/>
-              <a:t>For the overall population, </a:t>
+              <a:t>For the overall population, nh_black_white2:self_meal_prepare2 and DMDYRUSR:self_meal_prepare2 are significant variables. Within the white NH population, there is a tendency of higher BP who do not prepare their food. Immigration and non-self-meal preparation can also indicate higher BP.</a:t>
+            </a:r>
+          </a:p>
+          <a:p>
+            <a:r>
+              <a:rPr lang="en-US" sz="2000" dirty="0"/>
+              <a:t>When we added marital status, we obtained that ”Never married (&gt;0)”  people had a higher tendency to have BP. And another interaction term “</a:t>
             </a:r>
             <a:r>
               <a:rPr lang="en-US" sz="1400" dirty="0"/>
-              <a:t>nh_black_white2:self_meal_prepare2</a:t>
+              <a:t>RIDAGEYR: DMDMARTZ3 (&lt;0)</a:t>
             </a:r>
             <a:r>
               <a:rPr lang="en-US" sz="2000" dirty="0"/>
-              <a:t> and </a:t>
-            </a:r>
-            <a:r>
-              <a:rPr lang="en-US" sz="1400" dirty="0"/>
-              <a:t>DMDYRUSR:self_meal_prepare2 </a:t>
-            </a:r>
-            <a:r>
-              <a:rPr lang="en-US" sz="2000" dirty="0"/>
-              <a:t>are two significant variables. Within the white NH population, there is a tendency of higher BP who do not prepare their food. Immigration and non-self-meal preparation can also indicate higher BP.</a:t>
+              <a:t>” became significant.</a:t>
             </a:r>
           </a:p>
           <a:p>
